--- a/ExampleArtifactFolders/zProjectWideData/images/SystemOverview.pptx
+++ b/ExampleArtifactFolders/zProjectWideData/images/SystemOverview.pptx
@@ -2,10 +2,10 @@
 <file path=ppt/presentation.xml><?xml version="1.0" encoding="utf-8"?>
 <p:presentation xmlns:a="http://schemas.openxmlformats.org/drawingml/2006/main" xmlns:r="http://schemas.openxmlformats.org/officeDocument/2006/relationships" xmlns:p="http://schemas.openxmlformats.org/presentationml/2006/main" saveSubsetFonts="1">
   <p:sldMasterIdLst>
-    <p:sldMasterId id="2147483648" r:id="rId1"/>
+    <p:sldMasterId id="2147483648" r:id="rId4"/>
   </p:sldMasterIdLst>
   <p:sldIdLst>
-    <p:sldId id="256" r:id="rId2"/>
+    <p:sldId id="256" r:id="rId5"/>
   </p:sldIdLst>
   <p:sldSz cx="5943600" cy="5486400"/>
   <p:notesSz cx="6858000" cy="9144000"/>
@@ -303,7 +303,7 @@
             <a:fld id="{1D8BD707-D9CF-40AE-B4C6-C98DA3205C09}" type="datetimeFigureOut">
               <a:rPr lang="en-US" smtClean="0"/>
               <a:pPr/>
-              <a:t>7/12/2018</a:t>
+              <a:t>2/22/2024</a:t>
             </a:fld>
             <a:endParaRPr lang="en-US"/>
           </a:p>
@@ -468,7 +468,7 @@
             <a:fld id="{1D8BD707-D9CF-40AE-B4C6-C98DA3205C09}" type="datetimeFigureOut">
               <a:rPr lang="en-US" smtClean="0"/>
               <a:pPr/>
-              <a:t>7/12/2018</a:t>
+              <a:t>2/22/2024</a:t>
             </a:fld>
             <a:endParaRPr lang="en-US"/>
           </a:p>
@@ -643,7 +643,7 @@
             <a:fld id="{1D8BD707-D9CF-40AE-B4C6-C98DA3205C09}" type="datetimeFigureOut">
               <a:rPr lang="en-US" smtClean="0"/>
               <a:pPr/>
-              <a:t>7/12/2018</a:t>
+              <a:t>2/22/2024</a:t>
             </a:fld>
             <a:endParaRPr lang="en-US"/>
           </a:p>
@@ -808,7 +808,7 @@
             <a:fld id="{1D8BD707-D9CF-40AE-B4C6-C98DA3205C09}" type="datetimeFigureOut">
               <a:rPr lang="en-US" smtClean="0"/>
               <a:pPr/>
-              <a:t>7/12/2018</a:t>
+              <a:t>2/22/2024</a:t>
             </a:fld>
             <a:endParaRPr lang="en-US"/>
           </a:p>
@@ -1050,7 +1050,7 @@
             <a:fld id="{1D8BD707-D9CF-40AE-B4C6-C98DA3205C09}" type="datetimeFigureOut">
               <a:rPr lang="en-US" smtClean="0"/>
               <a:pPr/>
-              <a:t>7/12/2018</a:t>
+              <a:t>2/22/2024</a:t>
             </a:fld>
             <a:endParaRPr lang="en-US"/>
           </a:p>
@@ -1332,7 +1332,7 @@
             <a:fld id="{1D8BD707-D9CF-40AE-B4C6-C98DA3205C09}" type="datetimeFigureOut">
               <a:rPr lang="en-US" smtClean="0"/>
               <a:pPr/>
-              <a:t>7/12/2018</a:t>
+              <a:t>2/22/2024</a:t>
             </a:fld>
             <a:endParaRPr lang="en-US"/>
           </a:p>
@@ -1748,7 +1748,7 @@
             <a:fld id="{1D8BD707-D9CF-40AE-B4C6-C98DA3205C09}" type="datetimeFigureOut">
               <a:rPr lang="en-US" smtClean="0"/>
               <a:pPr/>
-              <a:t>7/12/2018</a:t>
+              <a:t>2/22/2024</a:t>
             </a:fld>
             <a:endParaRPr lang="en-US"/>
           </a:p>
@@ -1862,7 +1862,7 @@
             <a:fld id="{1D8BD707-D9CF-40AE-B4C6-C98DA3205C09}" type="datetimeFigureOut">
               <a:rPr lang="en-US" smtClean="0"/>
               <a:pPr/>
-              <a:t>7/12/2018</a:t>
+              <a:t>2/22/2024</a:t>
             </a:fld>
             <a:endParaRPr lang="en-US"/>
           </a:p>
@@ -1954,7 +1954,7 @@
             <a:fld id="{1D8BD707-D9CF-40AE-B4C6-C98DA3205C09}" type="datetimeFigureOut">
               <a:rPr lang="en-US" smtClean="0"/>
               <a:pPr/>
-              <a:t>7/12/2018</a:t>
+              <a:t>2/22/2024</a:t>
             </a:fld>
             <a:endParaRPr lang="en-US"/>
           </a:p>
@@ -2226,7 +2226,7 @@
             <a:fld id="{1D8BD707-D9CF-40AE-B4C6-C98DA3205C09}" type="datetimeFigureOut">
               <a:rPr lang="en-US" smtClean="0"/>
               <a:pPr/>
-              <a:t>7/12/2018</a:t>
+              <a:t>2/22/2024</a:t>
             </a:fld>
             <a:endParaRPr lang="en-US"/>
           </a:p>
@@ -2475,7 +2475,7 @@
             <a:fld id="{1D8BD707-D9CF-40AE-B4C6-C98DA3205C09}" type="datetimeFigureOut">
               <a:rPr lang="en-US" smtClean="0"/>
               <a:pPr/>
-              <a:t>7/12/2018</a:t>
+              <a:t>2/22/2024</a:t>
             </a:fld>
             <a:endParaRPr lang="en-US"/>
           </a:p>
@@ -2683,7 +2683,7 @@
             <a:fld id="{1D8BD707-D9CF-40AE-B4C6-C98DA3205C09}" type="datetimeFigureOut">
               <a:rPr lang="en-US" smtClean="0"/>
               <a:pPr/>
-              <a:t>7/12/2018</a:t>
+              <a:t>2/22/2024</a:t>
             </a:fld>
             <a:endParaRPr lang="en-US"/>
           </a:p>
@@ -3110,7 +3110,7 @@
                   <a:schemeClr val="tx1"/>
                 </a:solidFill>
               </a:rPr>
-              <a:t>Terrestrial</a:t>
+              <a:t>Approved</a:t>
             </a:r>
           </a:p>
           <a:p>
@@ -3121,18 +3121,7 @@
                   <a:schemeClr val="tx1"/>
                 </a:solidFill>
               </a:rPr>
-              <a:t>Cellular</a:t>
-            </a:r>
-          </a:p>
-          <a:p>
-            <a:pPr algn="ctr"/>
-            <a:r>
-              <a:rPr lang="en-US" dirty="0">
-                <a:solidFill>
-                  <a:schemeClr val="tx1"/>
-                </a:solidFill>
-              </a:rPr>
-              <a:t>Communications</a:t>
+              <a:t>Networks</a:t>
             </a:r>
           </a:p>
         </p:txBody>
@@ -3193,39 +3182,17 @@
                   <a:schemeClr val="tx1"/>
                 </a:solidFill>
               </a:rPr>
-              <a:t>Satellite</a:t>
-            </a:r>
-          </a:p>
-          <a:p>
-            <a:pPr algn="ctr"/>
-            <a:r>
-              <a:rPr lang="en-US" dirty="0">
-                <a:solidFill>
-                  <a:schemeClr val="tx1"/>
-                </a:solidFill>
-              </a:rPr>
-              <a:t>Communications</a:t>
-            </a:r>
-          </a:p>
-          <a:p>
-            <a:pPr algn="ctr"/>
-            <a:r>
-              <a:rPr lang="en-US" dirty="0">
-                <a:solidFill>
-                  <a:schemeClr val="tx1"/>
-                </a:solidFill>
-              </a:rPr>
-              <a:t>&amp; Navigation</a:t>
-            </a:r>
-          </a:p>
-        </p:txBody>
-      </p:sp>
-      <p:sp>
-        <p:nvSpPr>
-          <p:cNvPr id="6" name="Rectangle 5">
+              <a:t>Operators</a:t>
+            </a:r>
+          </a:p>
+        </p:txBody>
+      </p:sp>
+      <p:sp>
+        <p:nvSpPr>
+          <p:cNvPr id="4" name="Lightning Bolt 3">
             <a:extLst>
               <a:ext uri="{FF2B5EF4-FFF2-40B4-BE49-F238E27FC236}">
-                <a16:creationId xmlns:a16="http://schemas.microsoft.com/office/drawing/2014/main" id="{50FF3D28-18CD-41AA-ACB3-A8FA3ABF6121}"/>
+                <a16:creationId xmlns:a16="http://schemas.microsoft.com/office/drawing/2014/main" id="{C7D8C0B6-B6D9-4853-8275-8B76D60E9A81}"/>
               </a:ext>
             </a:extLst>
           </p:cNvPr>
@@ -3233,9 +3200,101 @@
           <p:nvPr/>
         </p:nvSpPr>
         <p:spPr>
+          <a:xfrm rot="19209828">
+            <a:off x="3220264" y="646526"/>
+            <a:ext cx="1301947" cy="295877"/>
+          </a:xfrm>
+          <a:prstGeom prst="lightningBolt">
+            <a:avLst/>
+          </a:prstGeom>
+        </p:spPr>
+        <p:style>
+          <a:lnRef idx="2">
+            <a:schemeClr val="accent1">
+              <a:shade val="50000"/>
+            </a:schemeClr>
+          </a:lnRef>
+          <a:fillRef idx="1">
+            <a:schemeClr val="accent1"/>
+          </a:fillRef>
+          <a:effectRef idx="0">
+            <a:schemeClr val="accent1"/>
+          </a:effectRef>
+          <a:fontRef idx="minor">
+            <a:schemeClr val="lt1"/>
+          </a:fontRef>
+        </p:style>
+        <p:txBody>
+          <a:bodyPr rtlCol="0" anchor="ctr"/>
+          <a:lstStyle/>
+          <a:p>
+            <a:pPr algn="ctr"/>
+            <a:endParaRPr lang="en-US"/>
+          </a:p>
+        </p:txBody>
+      </p:sp>
+      <p:sp>
+        <p:nvSpPr>
+          <p:cNvPr id="10" name="Lightning Bolt 9">
+            <a:extLst>
+              <a:ext uri="{FF2B5EF4-FFF2-40B4-BE49-F238E27FC236}">
+                <a16:creationId xmlns:a16="http://schemas.microsoft.com/office/drawing/2014/main" id="{66F10A39-0C4B-40ED-BDF5-BE92709DBEFD}"/>
+              </a:ext>
+            </a:extLst>
+          </p:cNvPr>
+          <p:cNvSpPr/>
+          <p:nvPr/>
+        </p:nvSpPr>
+        <p:spPr>
+          <a:xfrm rot="2964654" flipV="1">
+            <a:off x="1302245" y="646526"/>
+            <a:ext cx="1040150" cy="295877"/>
+          </a:xfrm>
+          <a:prstGeom prst="lightningBolt">
+            <a:avLst/>
+          </a:prstGeom>
+        </p:spPr>
+        <p:style>
+          <a:lnRef idx="2">
+            <a:schemeClr val="accent1">
+              <a:shade val="50000"/>
+            </a:schemeClr>
+          </a:lnRef>
+          <a:fillRef idx="1">
+            <a:schemeClr val="accent1"/>
+          </a:fillRef>
+          <a:effectRef idx="0">
+            <a:schemeClr val="accent1"/>
+          </a:effectRef>
+          <a:fontRef idx="minor">
+            <a:schemeClr val="lt1"/>
+          </a:fontRef>
+        </p:style>
+        <p:txBody>
+          <a:bodyPr rtlCol="0" anchor="ctr"/>
+          <a:lstStyle/>
+          <a:p>
+            <a:pPr algn="ctr"/>
+            <a:endParaRPr lang="en-US"/>
+          </a:p>
+        </p:txBody>
+      </p:sp>
+      <p:sp>
+        <p:nvSpPr>
+          <p:cNvPr id="3" name="Rectangle 2">
+            <a:extLst>
+              <a:ext uri="{FF2B5EF4-FFF2-40B4-BE49-F238E27FC236}">
+                <a16:creationId xmlns:a16="http://schemas.microsoft.com/office/drawing/2014/main" id="{7D77A86F-BFE1-E1A0-70DC-64913F6F71A9}"/>
+              </a:ext>
+            </a:extLst>
+          </p:cNvPr>
+          <p:cNvSpPr/>
+          <p:nvPr/>
+        </p:nvSpPr>
+        <p:spPr>
           <a:xfrm>
-            <a:off x="76200" y="2509386"/>
-            <a:ext cx="1295400" cy="914400"/>
+            <a:off x="2127121" y="1143000"/>
+            <a:ext cx="1295398" cy="914400"/>
           </a:xfrm>
           <a:prstGeom prst="rect">
             <a:avLst/>
@@ -3276,7 +3335,7 @@
                   <a:schemeClr val="tx1"/>
                 </a:solidFill>
               </a:rPr>
-              <a:t>Terrestrial</a:t>
+              <a:t>The</a:t>
             </a:r>
           </a:p>
           <a:p>
@@ -3287,321 +3346,11 @@
                   <a:schemeClr val="tx1"/>
                 </a:solidFill>
               </a:rPr>
-              <a:t>“Land-Line”</a:t>
-            </a:r>
-          </a:p>
-          <a:p>
-            <a:pPr algn="ctr"/>
-            <a:r>
-              <a:rPr lang="en-US" dirty="0">
-                <a:solidFill>
-                  <a:schemeClr val="tx1"/>
-                </a:solidFill>
-              </a:rPr>
-              <a:t>Communications</a:t>
-            </a:r>
-          </a:p>
-        </p:txBody>
-      </p:sp>
-      <p:pic>
-        <p:nvPicPr>
-          <p:cNvPr id="3" name="Picture 2">
-            <a:extLst>
-              <a:ext uri="{FF2B5EF4-FFF2-40B4-BE49-F238E27FC236}">
-                <a16:creationId xmlns:a16="http://schemas.microsoft.com/office/drawing/2014/main" id="{C670CA9B-0A4C-4079-973F-865CD1A27853}"/>
-              </a:ext>
-            </a:extLst>
-          </p:cNvPr>
-          <p:cNvPicPr>
-            <a:picLocks noChangeAspect="1"/>
-          </p:cNvPicPr>
-          <p:nvPr/>
-        </p:nvPicPr>
-        <p:blipFill>
-          <a:blip r:embed="rId2" cstate="print">
-            <a:extLst>
-              <a:ext uri="{28A0092B-C50C-407E-A947-70E740481C1C}">
-                <a14:useLocalDpi xmlns:a14="http://schemas.microsoft.com/office/drawing/2010/main" val="0"/>
-              </a:ext>
-            </a:extLst>
-          </a:blip>
-          <a:stretch>
-            <a:fillRect/>
-          </a:stretch>
-        </p:blipFill>
-        <p:spPr>
-          <a:xfrm>
-            <a:off x="1784175" y="1231415"/>
-            <a:ext cx="2375250" cy="1213604"/>
-          </a:xfrm>
-          <a:prstGeom prst="rect">
-            <a:avLst/>
-          </a:prstGeom>
-        </p:spPr>
-      </p:pic>
-      <p:sp>
-        <p:nvSpPr>
-          <p:cNvPr id="8" name="Rectangle 7">
-            <a:extLst>
-              <a:ext uri="{FF2B5EF4-FFF2-40B4-BE49-F238E27FC236}">
-                <a16:creationId xmlns:a16="http://schemas.microsoft.com/office/drawing/2014/main" id="{4BB72A63-F3FF-4327-90FB-15CD956A3880}"/>
-              </a:ext>
-            </a:extLst>
-          </p:cNvPr>
-          <p:cNvSpPr/>
-          <p:nvPr/>
-        </p:nvSpPr>
-        <p:spPr>
-          <a:xfrm>
-            <a:off x="4559831" y="2509386"/>
-            <a:ext cx="1295400" cy="914400"/>
-          </a:xfrm>
-          <a:prstGeom prst="rect">
-            <a:avLst/>
-          </a:prstGeom>
-          <a:solidFill>
-            <a:schemeClr val="bg1"/>
-          </a:solidFill>
-          <a:ln>
-            <a:solidFill>
-              <a:schemeClr val="tx1"/>
-            </a:solidFill>
-          </a:ln>
-        </p:spPr>
-        <p:style>
-          <a:lnRef idx="2">
-            <a:schemeClr val="accent1">
-              <a:shade val="50000"/>
-            </a:schemeClr>
-          </a:lnRef>
-          <a:fillRef idx="1">
-            <a:schemeClr val="accent1"/>
-          </a:fillRef>
-          <a:effectRef idx="0">
-            <a:schemeClr val="accent1"/>
-          </a:effectRef>
-          <a:fontRef idx="minor">
-            <a:schemeClr val="lt1"/>
-          </a:fontRef>
-        </p:style>
-        <p:txBody>
-          <a:bodyPr rtlCol="0" anchor="ctr"/>
-          <a:lstStyle/>
-          <a:p>
-            <a:pPr algn="ctr"/>
-            <a:r>
-              <a:rPr lang="en-US" dirty="0">
-                <a:solidFill>
-                  <a:schemeClr val="tx1"/>
-                </a:solidFill>
-              </a:rPr>
-              <a:t>Terrestrial</a:t>
-            </a:r>
-          </a:p>
-          <a:p>
-            <a:pPr algn="ctr"/>
-            <a:r>
-              <a:rPr lang="en-US" dirty="0">
-                <a:solidFill>
-                  <a:schemeClr val="tx1"/>
-                </a:solidFill>
-              </a:rPr>
-              <a:t>Power</a:t>
-            </a:r>
-          </a:p>
-          <a:p>
-            <a:pPr algn="ctr"/>
-            <a:r>
-              <a:rPr lang="en-US" dirty="0">
-                <a:solidFill>
-                  <a:schemeClr val="tx1"/>
-                </a:solidFill>
-              </a:rPr>
-              <a:t>Connections</a:t>
-            </a:r>
-          </a:p>
-        </p:txBody>
-      </p:sp>
-      <p:sp>
-        <p:nvSpPr>
-          <p:cNvPr id="4" name="Lightning Bolt 3">
-            <a:extLst>
-              <a:ext uri="{FF2B5EF4-FFF2-40B4-BE49-F238E27FC236}">
-                <a16:creationId xmlns:a16="http://schemas.microsoft.com/office/drawing/2014/main" id="{C7D8C0B6-B6D9-4853-8275-8B76D60E9A81}"/>
-              </a:ext>
-            </a:extLst>
-          </p:cNvPr>
-          <p:cNvSpPr/>
-          <p:nvPr/>
-        </p:nvSpPr>
-        <p:spPr>
-          <a:xfrm rot="19209828">
-            <a:off x="3220264" y="646526"/>
-            <a:ext cx="1301947" cy="295877"/>
-          </a:xfrm>
-          <a:prstGeom prst="lightningBolt">
-            <a:avLst/>
-          </a:prstGeom>
-        </p:spPr>
-        <p:style>
-          <a:lnRef idx="2">
-            <a:schemeClr val="accent1">
-              <a:shade val="50000"/>
-            </a:schemeClr>
-          </a:lnRef>
-          <a:fillRef idx="1">
-            <a:schemeClr val="accent1"/>
-          </a:fillRef>
-          <a:effectRef idx="0">
-            <a:schemeClr val="accent1"/>
-          </a:effectRef>
-          <a:fontRef idx="minor">
-            <a:schemeClr val="lt1"/>
-          </a:fontRef>
-        </p:style>
-        <p:txBody>
-          <a:bodyPr rtlCol="0" anchor="ctr"/>
-          <a:lstStyle/>
-          <a:p>
-            <a:pPr algn="ctr"/>
-            <a:endParaRPr lang="en-US"/>
-          </a:p>
-        </p:txBody>
-      </p:sp>
-      <p:sp>
-        <p:nvSpPr>
-          <p:cNvPr id="10" name="Lightning Bolt 9">
-            <a:extLst>
-              <a:ext uri="{FF2B5EF4-FFF2-40B4-BE49-F238E27FC236}">
-                <a16:creationId xmlns:a16="http://schemas.microsoft.com/office/drawing/2014/main" id="{66F10A39-0C4B-40ED-BDF5-BE92709DBEFD}"/>
-              </a:ext>
-            </a:extLst>
-          </p:cNvPr>
-          <p:cNvSpPr/>
-          <p:nvPr/>
-        </p:nvSpPr>
-        <p:spPr>
-          <a:xfrm rot="3250413" flipV="1">
-            <a:off x="1353909" y="668869"/>
-            <a:ext cx="1040150" cy="295877"/>
-          </a:xfrm>
-          <a:prstGeom prst="lightningBolt">
-            <a:avLst/>
-          </a:prstGeom>
-        </p:spPr>
-        <p:style>
-          <a:lnRef idx="2">
-            <a:schemeClr val="accent1">
-              <a:shade val="50000"/>
-            </a:schemeClr>
-          </a:lnRef>
-          <a:fillRef idx="1">
-            <a:schemeClr val="accent1"/>
-          </a:fillRef>
-          <a:effectRef idx="0">
-            <a:schemeClr val="accent1"/>
-          </a:effectRef>
-          <a:fontRef idx="minor">
-            <a:schemeClr val="lt1"/>
-          </a:fontRef>
-        </p:style>
-        <p:txBody>
-          <a:bodyPr rtlCol="0" anchor="ctr"/>
-          <a:lstStyle/>
-          <a:p>
-            <a:pPr algn="ctr"/>
-            <a:endParaRPr lang="en-US"/>
-          </a:p>
-        </p:txBody>
-      </p:sp>
-      <p:cxnSp>
-        <p:nvCxnSpPr>
-          <p:cNvPr id="9" name="Straight Connector 8">
-            <a:extLst>
-              <a:ext uri="{FF2B5EF4-FFF2-40B4-BE49-F238E27FC236}">
-                <a16:creationId xmlns:a16="http://schemas.microsoft.com/office/drawing/2014/main" id="{359CE613-A0E9-4765-B62C-BDCFF78C814D}"/>
-              </a:ext>
-            </a:extLst>
-          </p:cNvPr>
-          <p:cNvCxnSpPr>
-            <a:cxnSpLocks/>
-            <a:endCxn id="6" idx="0"/>
-          </p:cNvCxnSpPr>
-          <p:nvPr/>
-        </p:nvCxnSpPr>
-        <p:spPr>
-          <a:xfrm flipH="1">
-            <a:off x="723900" y="2141618"/>
-            <a:ext cx="1060275" cy="367768"/>
-          </a:xfrm>
-          <a:prstGeom prst="line">
-            <a:avLst/>
-          </a:prstGeom>
-          <a:ln w="63500" cmpd="dbl">
-            <a:solidFill>
-              <a:schemeClr val="tx1"/>
-            </a:solidFill>
-          </a:ln>
-        </p:spPr>
-        <p:style>
-          <a:lnRef idx="1">
-            <a:schemeClr val="accent1"/>
-          </a:lnRef>
-          <a:fillRef idx="0">
-            <a:schemeClr val="accent1"/>
-          </a:fillRef>
-          <a:effectRef idx="0">
-            <a:schemeClr val="accent1"/>
-          </a:effectRef>
-          <a:fontRef idx="minor">
-            <a:schemeClr val="tx1"/>
-          </a:fontRef>
-        </p:style>
-      </p:cxnSp>
-      <p:cxnSp>
-        <p:nvCxnSpPr>
-          <p:cNvPr id="13" name="Straight Connector 12">
-            <a:extLst>
-              <a:ext uri="{FF2B5EF4-FFF2-40B4-BE49-F238E27FC236}">
-                <a16:creationId xmlns:a16="http://schemas.microsoft.com/office/drawing/2014/main" id="{6A58FA79-E8A5-47EB-8F75-0843B4F6BE72}"/>
-              </a:ext>
-            </a:extLst>
-          </p:cNvPr>
-          <p:cNvCxnSpPr>
-            <a:cxnSpLocks/>
-            <a:endCxn id="8" idx="0"/>
-          </p:cNvCxnSpPr>
-          <p:nvPr/>
-        </p:nvCxnSpPr>
-        <p:spPr>
-          <a:xfrm>
-            <a:off x="4159425" y="2173801"/>
-            <a:ext cx="1048106" cy="335585"/>
-          </a:xfrm>
-          <a:prstGeom prst="line">
-            <a:avLst/>
-          </a:prstGeom>
-          <a:ln w="63500" cmpd="tri">
-            <a:solidFill>
-              <a:schemeClr val="tx1"/>
-            </a:solidFill>
-          </a:ln>
-        </p:spPr>
-        <p:style>
-          <a:lnRef idx="1">
-            <a:schemeClr val="accent1"/>
-          </a:lnRef>
-          <a:fillRef idx="0">
-            <a:schemeClr val="accent1"/>
-          </a:fillRef>
-          <a:effectRef idx="0">
-            <a:schemeClr val="accent1"/>
-          </a:effectRef>
-          <a:fontRef idx="minor">
-            <a:schemeClr val="tx1"/>
-          </a:fontRef>
-        </p:style>
-      </p:cxnSp>
+              <a:t>System</a:t>
+            </a:r>
+          </a:p>
+        </p:txBody>
+      </p:sp>
     </p:spTree>
     <p:extLst>
       <p:ext uri="{BB962C8B-B14F-4D97-AF65-F5344CB8AC3E}">
@@ -4105,13 +3854,37 @@
 </file>
 
 <file path=customXml/itemProps1.xml><?xml version="1.0" encoding="utf-8"?>
-<ds:datastoreItem xmlns:ds="http://schemas.openxmlformats.org/officeDocument/2006/customXml" ds:itemID="{91AEFF16-575B-4369-9410-A0F62D25E34A}"/>
+<ds:datastoreItem xmlns:ds="http://schemas.openxmlformats.org/officeDocument/2006/customXml" ds:itemID="{91AEFF16-575B-4369-9410-A0F62D25E34A}">
+  <ds:schemaRefs>
+    <ds:schemaRef ds:uri="http://schemas.microsoft.com/office/2006/metadata/contentType"/>
+    <ds:schemaRef ds:uri="http://schemas.microsoft.com/office/2006/metadata/properties/metaAttributes"/>
+    <ds:schemaRef ds:uri="http://www.w3.org/2001/XMLSchema"/>
+    <ds:schemaRef ds:uri="http://schemas.microsoft.com/office/2006/metadata/properties"/>
+    <ds:schemaRef ds:uri="fe4f0764-13b6-43d6-9aa6-a203ee0661e2"/>
+    <ds:schemaRef ds:uri="4780e01a-7721-4e99-8773-51722f20653e"/>
+    <ds:schemaRef ds:uri="http://schemas.microsoft.com/office/2006/documentManagement/types"/>
+    <ds:schemaRef ds:uri="http://schemas.microsoft.com/office/infopath/2007/PartnerControls"/>
+    <ds:schemaRef ds:uri="http://schemas.openxmlformats.org/package/2006/metadata/core-properties"/>
+    <ds:schemaRef ds:uri="http://purl.org/dc/elements/1.1/"/>
+    <ds:schemaRef ds:uri="http://purl.org/dc/terms/"/>
+    <ds:schemaRef ds:uri="http://schemas.microsoft.com/internal/obd"/>
+  </ds:schemaRefs>
+</ds:datastoreItem>
 </file>
 
 <file path=customXml/itemProps2.xml><?xml version="1.0" encoding="utf-8"?>
-<ds:datastoreItem xmlns:ds="http://schemas.openxmlformats.org/officeDocument/2006/customXml" ds:itemID="{0F02C26B-7541-4796-97E3-2626C4FE0C69}"/>
+<ds:datastoreItem xmlns:ds="http://schemas.openxmlformats.org/officeDocument/2006/customXml" ds:itemID="{0F02C26B-7541-4796-97E3-2626C4FE0C69}">
+  <ds:schemaRefs>
+    <ds:schemaRef ds:uri="http://schemas.microsoft.com/sharepoint/v3/contenttype/forms"/>
+  </ds:schemaRefs>
+</ds:datastoreItem>
 </file>
 
 <file path=customXml/itemProps3.xml><?xml version="1.0" encoding="utf-8"?>
-<ds:datastoreItem xmlns:ds="http://schemas.openxmlformats.org/officeDocument/2006/customXml" ds:itemID="{15AE3D9A-136F-4707-9C04-573AFEF17BF7}"/>
+<ds:datastoreItem xmlns:ds="http://schemas.openxmlformats.org/officeDocument/2006/customXml" ds:itemID="{15AE3D9A-136F-4707-9C04-573AFEF17BF7}">
+  <ds:schemaRefs>
+    <ds:schemaRef ds:uri="http://schemas.microsoft.com/office/2006/metadata/properties"/>
+    <ds:schemaRef ds:uri="http://schemas.microsoft.com/office/infopath/2007/PartnerControls"/>
+  </ds:schemaRefs>
+</ds:datastoreItem>
 </file>